--- a/Dashing Crypto presentation.pptx
+++ b/Dashing Crypto presentation.pptx
@@ -15917,7 +15917,7 @@
         </p:nvSpPr>
         <p:spPr>
           <a:xfrm>
-            <a:off x="275700" y="2309350"/>
+            <a:off x="226413" y="2426650"/>
             <a:ext cx="8592600" cy="2124000"/>
           </a:xfrm>
           <a:prstGeom prst="rect">
@@ -16064,7 +16064,7 @@
                 <a:cs typeface="Rockwell"/>
                 <a:sym typeface="Rockwell"/>
               </a:rPr>
-              <a:t>Conclusion</a:t>
+              <a:t>Answers to Problem Statement</a:t>
             </a:r>
             <a:endParaRPr sz="1800">
               <a:latin typeface="Rockwell"/>
@@ -16141,7 +16141,7 @@
         </p:nvSpPr>
         <p:spPr>
           <a:xfrm>
-            <a:off x="623400" y="1467550"/>
+            <a:off x="311700" y="1584850"/>
             <a:ext cx="8520600" cy="841800"/>
           </a:xfrm>
           <a:prstGeom prst="rect">
@@ -17930,7 +17930,7 @@
         </p:nvSpPr>
         <p:spPr>
           <a:xfrm>
-            <a:off x="-2137586" y="104975"/>
+            <a:off x="-389911" y="149950"/>
             <a:ext cx="8520600" cy="841800"/>
           </a:xfrm>
           <a:prstGeom prst="rect">
@@ -17963,7 +17963,7 @@
             </a:pPr>
             <a:r>
               <a:rPr lang="en"/>
-              <a:t>CONCLUSION</a:t>
+              <a:t>Answers to Problem Statement</a:t>
             </a:r>
             <a:endParaRPr/>
           </a:p>
